--- a/데이터분석 미니 프로젝트.pptx
+++ b/데이터분석 미니 프로젝트.pptx
@@ -15157,7 +15157,7 @@
       </p:sp>
       <p:pic>
         <p:nvPicPr>
-          <p:cNvPr id="10" name="그림 9"/>
+          <p:cNvPr id="11" name="그림 10"/>
           <p:cNvPicPr>
             <a:picLocks noChangeAspect="1"/>
           </p:cNvPicPr>
@@ -15172,13 +15172,145 @@
         <p:spPr>
           <a:xfrm>
             <a:off x="0" y="730211"/>
-            <a:ext cx="12192000" cy="6127789"/>
+            <a:ext cx="12183084" cy="6127789"/>
           </a:xfrm>
           <a:prstGeom prst="rect">
             <a:avLst/>
           </a:prstGeom>
         </p:spPr>
       </p:pic>
+      <p:cxnSp>
+        <p:nvCxnSpPr>
+          <p:cNvPr id="12" name="화살표 11"/>
+          <p:cNvCxnSpPr/>
+          <p:nvPr/>
+        </p:nvCxnSpPr>
+        <p:spPr>
+          <a:xfrm>
+            <a:off x="3263899" y="4499882"/>
+            <a:ext cx="2085975" cy="9525"/>
+          </a:xfrm>
+          <a:prstGeom prst="straightConnector1">
+            <a:avLst/>
+          </a:prstGeom>
+          <a:ln w="19050">
+            <a:solidFill>
+              <a:schemeClr val="lt1"/>
+            </a:solidFill>
+            <a:tailEnd type="arrow"/>
+          </a:ln>
+        </p:spPr>
+        <p:style>
+          <a:lnRef idx="1">
+            <a:schemeClr val="accent1"/>
+          </a:lnRef>
+          <a:fillRef idx="0">
+            <a:schemeClr val="accent1"/>
+          </a:fillRef>
+          <a:effectRef idx="0">
+            <a:schemeClr val="accent1"/>
+          </a:effectRef>
+          <a:fontRef idx="minor">
+            <a:schemeClr val="tx1"/>
+          </a:fontRef>
+        </p:style>
+      </p:cxnSp>
+      <p:sp>
+        <p:nvSpPr>
+          <p:cNvPr id="13" name="가로 글상자 12"/>
+          <p:cNvSpPr txBox="1"/>
+          <p:nvPr/>
+        </p:nvSpPr>
+        <p:spPr>
+          <a:xfrm>
+            <a:off x="5469164" y="4334623"/>
+            <a:ext cx="5067300" cy="568847"/>
+          </a:xfrm>
+          <a:prstGeom prst="rect">
+            <a:avLst/>
+          </a:prstGeom>
+        </p:spPr>
+        <p:txBody>
+          <a:bodyPr wrap="square">
+            <a:spAutoFit/>
+          </a:bodyPr>
+          <a:lstStyle/>
+          <a:p>
+            <a:pPr lvl="0">
+              <a:defRPr/>
+            </a:pPr>
+            <a:r>
+              <a:rPr lang="en-US" altLang="ko-KR" sz="1600">
+                <a:solidFill>
+                  <a:schemeClr val="lt1"/>
+                </a:solidFill>
+              </a:rPr>
+              <a:t>pandas</a:t>
+            </a:r>
+            <a:r>
+              <a:rPr lang="ko-KR" altLang="en-US" sz="1600">
+                <a:solidFill>
+                  <a:schemeClr val="lt1"/>
+                </a:solidFill>
+              </a:rPr>
+              <a:t>자료형에서 </a:t>
+            </a:r>
+            <a:r>
+              <a:rPr lang="en-US" altLang="ko-KR" sz="1600">
+                <a:solidFill>
+                  <a:schemeClr val="lt1"/>
+                </a:solidFill>
+              </a:rPr>
+              <a:t>DataFrame </a:t>
+            </a:r>
+            <a:r>
+              <a:rPr lang="ko-KR" altLang="en-US" sz="1600">
+                <a:solidFill>
+                  <a:schemeClr val="lt1"/>
+                </a:solidFill>
+              </a:rPr>
+              <a:t>내보내기 수업 응용하여 엑셀 파일</a:t>
+            </a:r>
+            <a:r>
+              <a:rPr lang="en-US" altLang="ko-KR" sz="1600">
+                <a:solidFill>
+                  <a:schemeClr val="lt1"/>
+                </a:solidFill>
+              </a:rPr>
+              <a:t> </a:t>
+            </a:r>
+            <a:r>
+              <a:rPr lang="ko-KR" altLang="en-US" sz="1600">
+                <a:solidFill>
+                  <a:schemeClr val="lt1"/>
+                </a:solidFill>
+              </a:rPr>
+              <a:t>내용을 </a:t>
+            </a:r>
+            <a:r>
+              <a:rPr lang="en-US" altLang="ko-KR" sz="1600">
+                <a:solidFill>
+                  <a:schemeClr val="lt1"/>
+                </a:solidFill>
+              </a:rPr>
+              <a:t>mysql table</a:t>
+            </a:r>
+            <a:r>
+              <a:rPr lang="ko-KR" altLang="en-US" sz="1600">
+                <a:solidFill>
+                  <a:schemeClr val="lt1"/>
+                </a:solidFill>
+              </a:rPr>
+              <a:t>에 전송</a:t>
+            </a:r>
+            <a:endParaRPr lang="ko-KR" altLang="en-US" sz="1600">
+              <a:solidFill>
+                <a:schemeClr val="lt1"/>
+              </a:solidFill>
+            </a:endParaRPr>
+          </a:p>
+        </p:txBody>
+      </p:sp>
     </p:spTree>
     <p:extLst>
       <p:ext uri="{BB962C8B-B14F-4D97-AF65-F5344CB8AC3E}">
